--- a/practice_advanced/fig/slide.pptx
+++ b/practice_advanced/fig/slide.pptx
@@ -235,7 +235,7 @@
           </a:lstStyle>
           <a:p>
             <a:fld id="{6B8D1B20-A248-FB47-8240-73C0C5F47C9D}" type="datetimeFigureOut">
-              <a:t>2021/10/20</a:t>
+              <a:t>2021/10/21</a:t>
             </a:fld>
             <a:endParaRPr kumimoji="1" lang="ja-JP" altLang="en-US"/>
           </a:p>
@@ -3040,10 +3040,10 @@
       </p:sp>
       <p:sp>
         <p:nvSpPr>
-          <p:cNvPr id="3" name="テキスト ボックス 2">
-            <a:extLst>
-              <a:ext uri="{FF2B5EF4-FFF2-40B4-BE49-F238E27FC236}">
-                <a16:creationId xmlns:a16="http://schemas.microsoft.com/office/drawing/2014/main" id="{50E1DCE0-92CA-4C9F-B49F-2D01FFC49BCF}"/>
+          <p:cNvPr id="41" name="テキスト ボックス 40">
+            <a:extLst>
+              <a:ext uri="{FF2B5EF4-FFF2-40B4-BE49-F238E27FC236}">
+                <a16:creationId xmlns:a16="http://schemas.microsoft.com/office/drawing/2014/main" id="{78B171F3-DCCA-4F15-AB19-E729217E3DC6}"/>
               </a:ext>
             </a:extLst>
           </p:cNvPr>
@@ -3076,10 +3076,10 @@
       </p:sp>
       <p:sp>
         <p:nvSpPr>
-          <p:cNvPr id="14" name="楕円 13">
-            <a:extLst>
-              <a:ext uri="{FF2B5EF4-FFF2-40B4-BE49-F238E27FC236}">
-                <a16:creationId xmlns:a16="http://schemas.microsoft.com/office/drawing/2014/main" id="{0BAE74A0-C43D-408B-91BF-7506750947F9}"/>
+          <p:cNvPr id="48" name="楕円 47">
+            <a:extLst>
+              <a:ext uri="{FF2B5EF4-FFF2-40B4-BE49-F238E27FC236}">
+                <a16:creationId xmlns:a16="http://schemas.microsoft.com/office/drawing/2014/main" id="{CF623714-6705-4B67-B415-FFBB4308DDB6}"/>
               </a:ext>
             </a:extLst>
           </p:cNvPr>
@@ -3088,7 +3088,7 @@
         </p:nvSpPr>
         <p:spPr>
           <a:xfrm>
-            <a:off x="3779912" y="2276872"/>
+            <a:off x="4139952" y="1988840"/>
             <a:ext cx="432048" cy="432048"/>
           </a:xfrm>
           <a:prstGeom prst="ellipse">
@@ -3130,10 +3130,10 @@
       </p:sp>
       <p:sp>
         <p:nvSpPr>
-          <p:cNvPr id="15" name="楕円 14">
-            <a:extLst>
-              <a:ext uri="{FF2B5EF4-FFF2-40B4-BE49-F238E27FC236}">
-                <a16:creationId xmlns:a16="http://schemas.microsoft.com/office/drawing/2014/main" id="{5595DF16-E345-499D-9F37-86BBB8D697E5}"/>
+          <p:cNvPr id="49" name="楕円 48">
+            <a:extLst>
+              <a:ext uri="{FF2B5EF4-FFF2-40B4-BE49-F238E27FC236}">
+                <a16:creationId xmlns:a16="http://schemas.microsoft.com/office/drawing/2014/main" id="{70A37378-4788-4908-B8BB-F5DF3C3F9FF0}"/>
               </a:ext>
             </a:extLst>
           </p:cNvPr>
@@ -3142,7 +3142,7 @@
         </p:nvSpPr>
         <p:spPr>
           <a:xfrm>
-            <a:off x="2339752" y="3717032"/>
+            <a:off x="2699792" y="3429000"/>
             <a:ext cx="432048" cy="432048"/>
           </a:xfrm>
           <a:prstGeom prst="ellipse">
@@ -3184,10 +3184,10 @@
       </p:sp>
       <p:sp>
         <p:nvSpPr>
-          <p:cNvPr id="16" name="楕円 15">
-            <a:extLst>
-              <a:ext uri="{FF2B5EF4-FFF2-40B4-BE49-F238E27FC236}">
-                <a16:creationId xmlns:a16="http://schemas.microsoft.com/office/drawing/2014/main" id="{F2A0912B-C6BE-4DB0-9370-7FA0A86744F3}"/>
+          <p:cNvPr id="50" name="楕円 49">
+            <a:extLst>
+              <a:ext uri="{FF2B5EF4-FFF2-40B4-BE49-F238E27FC236}">
+                <a16:creationId xmlns:a16="http://schemas.microsoft.com/office/drawing/2014/main" id="{69F799A5-E794-4D5E-947D-420D09F0FFE0}"/>
               </a:ext>
             </a:extLst>
           </p:cNvPr>
@@ -3196,7 +3196,7 @@
         </p:nvSpPr>
         <p:spPr>
           <a:xfrm>
-            <a:off x="5220072" y="3717032"/>
+            <a:off x="5580112" y="3429000"/>
             <a:ext cx="432048" cy="432048"/>
           </a:xfrm>
           <a:prstGeom prst="ellipse">
@@ -3238,10 +3238,10 @@
       </p:sp>
       <p:pic>
         <p:nvPicPr>
-          <p:cNvPr id="17" name="Picture 2" descr="フォルダのイラスト">
-            <a:extLst>
-              <a:ext uri="{FF2B5EF4-FFF2-40B4-BE49-F238E27FC236}">
-                <a16:creationId xmlns:a16="http://schemas.microsoft.com/office/drawing/2014/main" id="{DED6C781-2E02-4B71-BE4A-F2C6A984838A}"/>
+          <p:cNvPr id="51" name="Picture 2" descr="フォルダのイラスト">
+            <a:extLst>
+              <a:ext uri="{FF2B5EF4-FFF2-40B4-BE49-F238E27FC236}">
+                <a16:creationId xmlns:a16="http://schemas.microsoft.com/office/drawing/2014/main" id="{36C97E32-8D65-43D1-9D5B-A1E415A6CD7D}"/>
               </a:ext>
             </a:extLst>
           </p:cNvPr>
@@ -3265,7 +3265,7 @@
         </p:blipFill>
         <p:spPr bwMode="auto">
           <a:xfrm>
-            <a:off x="1619672" y="4653136"/>
+            <a:off x="1619672" y="4293096"/>
             <a:ext cx="702078" cy="587990"/>
           </a:xfrm>
           <a:prstGeom prst="rect">
@@ -3285,10 +3285,10 @@
       </p:pic>
       <p:pic>
         <p:nvPicPr>
-          <p:cNvPr id="18" name="Picture 4">
-            <a:extLst>
-              <a:ext uri="{FF2B5EF4-FFF2-40B4-BE49-F238E27FC236}">
-                <a16:creationId xmlns:a16="http://schemas.microsoft.com/office/drawing/2014/main" id="{34E4EAF4-DAE9-430A-99EF-DA8D53227C51}"/>
+          <p:cNvPr id="52" name="Picture 4">
+            <a:extLst>
+              <a:ext uri="{FF2B5EF4-FFF2-40B4-BE49-F238E27FC236}">
+                <a16:creationId xmlns:a16="http://schemas.microsoft.com/office/drawing/2014/main" id="{40AE7786-A93A-4A1E-9555-7D3873929541}"/>
               </a:ext>
             </a:extLst>
           </p:cNvPr>
@@ -3312,7 +3312,7 @@
         </p:blipFill>
         <p:spPr bwMode="auto">
           <a:xfrm>
-            <a:off x="1763688" y="4797152"/>
+            <a:off x="1763688" y="4437112"/>
             <a:ext cx="360040" cy="360040"/>
           </a:xfrm>
           <a:prstGeom prst="rect">
@@ -3332,10 +3332,10 @@
       </p:pic>
       <p:pic>
         <p:nvPicPr>
-          <p:cNvPr id="2050" name="Picture 2" descr="ファイルアイコン（テキスト）">
-            <a:extLst>
-              <a:ext uri="{FF2B5EF4-FFF2-40B4-BE49-F238E27FC236}">
-                <a16:creationId xmlns:a16="http://schemas.microsoft.com/office/drawing/2014/main" id="{FBB66BE1-AF0C-4F7E-A90E-2E0C711B2329}"/>
+          <p:cNvPr id="54" name="Picture 2" descr="ファイルアイコン（テキスト）">
+            <a:extLst>
+              <a:ext uri="{FF2B5EF4-FFF2-40B4-BE49-F238E27FC236}">
+                <a16:creationId xmlns:a16="http://schemas.microsoft.com/office/drawing/2014/main" id="{12C89DE3-FE8B-4F56-85B3-04E8AF9ABF3E}"/>
               </a:ext>
             </a:extLst>
           </p:cNvPr>
@@ -3359,7 +3359,7 @@
         </p:blipFill>
         <p:spPr bwMode="auto">
           <a:xfrm>
-            <a:off x="1730425" y="5445224"/>
+            <a:off x="1730425" y="5085184"/>
             <a:ext cx="484265" cy="562372"/>
           </a:xfrm>
           <a:prstGeom prst="rect">
@@ -3379,22 +3379,22 @@
       </p:pic>
       <p:cxnSp>
         <p:nvCxnSpPr>
-          <p:cNvPr id="20" name="直線コネクタ 19">
-            <a:extLst>
-              <a:ext uri="{FF2B5EF4-FFF2-40B4-BE49-F238E27FC236}">
-                <a16:creationId xmlns:a16="http://schemas.microsoft.com/office/drawing/2014/main" id="{AD882B19-3D3F-49D2-BD3F-C181AB0F4D8F}"/>
+          <p:cNvPr id="56" name="直線コネクタ 55">
+            <a:extLst>
+              <a:ext uri="{FF2B5EF4-FFF2-40B4-BE49-F238E27FC236}">
+                <a16:creationId xmlns:a16="http://schemas.microsoft.com/office/drawing/2014/main" id="{DA9794D8-35B0-437C-81D9-F35260FFF282}"/>
               </a:ext>
             </a:extLst>
           </p:cNvPr>
           <p:cNvCxnSpPr>
-            <a:stCxn id="17" idx="2"/>
-            <a:endCxn id="2050" idx="0"/>
+            <a:stCxn id="51" idx="2"/>
+            <a:endCxn id="54" idx="0"/>
           </p:cNvCxnSpPr>
           <p:nvPr/>
         </p:nvCxnSpPr>
         <p:spPr>
           <a:xfrm>
-            <a:off x="1970711" y="5241126"/>
+            <a:off x="1970711" y="4881086"/>
             <a:ext cx="1847" cy="204098"/>
           </a:xfrm>
           <a:prstGeom prst="line">
@@ -3425,10 +3425,10 @@
       </p:cxnSp>
       <p:pic>
         <p:nvPicPr>
-          <p:cNvPr id="23" name="Picture 2" descr="ファイルアイコン（テキスト）">
-            <a:extLst>
-              <a:ext uri="{FF2B5EF4-FFF2-40B4-BE49-F238E27FC236}">
-                <a16:creationId xmlns:a16="http://schemas.microsoft.com/office/drawing/2014/main" id="{881D7572-AA58-42EA-8615-584FFB845848}"/>
+          <p:cNvPr id="58" name="Picture 2" descr="ファイルアイコン（テキスト）">
+            <a:extLst>
+              <a:ext uri="{FF2B5EF4-FFF2-40B4-BE49-F238E27FC236}">
+                <a16:creationId xmlns:a16="http://schemas.microsoft.com/office/drawing/2014/main" id="{A255BD52-4D18-45EE-9FDB-71BE3A0703DA}"/>
               </a:ext>
             </a:extLst>
           </p:cNvPr>
@@ -3452,7 +3452,7 @@
         </p:blipFill>
         <p:spPr bwMode="auto">
           <a:xfrm>
-            <a:off x="2411760" y="5445224"/>
+            <a:off x="2411760" y="5085184"/>
             <a:ext cx="484265" cy="562372"/>
           </a:xfrm>
           <a:prstGeom prst="rect">
@@ -3472,22 +3472,22 @@
       </p:pic>
       <p:cxnSp>
         <p:nvCxnSpPr>
-          <p:cNvPr id="25" name="コネクタ: カギ線 24">
-            <a:extLst>
-              <a:ext uri="{FF2B5EF4-FFF2-40B4-BE49-F238E27FC236}">
-                <a16:creationId xmlns:a16="http://schemas.microsoft.com/office/drawing/2014/main" id="{040DD361-F5F4-46FE-8932-DE041F0F9417}"/>
+          <p:cNvPr id="64" name="コネクタ: カギ線 63">
+            <a:extLst>
+              <a:ext uri="{FF2B5EF4-FFF2-40B4-BE49-F238E27FC236}">
+                <a16:creationId xmlns:a16="http://schemas.microsoft.com/office/drawing/2014/main" id="{0E144B79-DA86-4266-BB1A-5EE58890D026}"/>
               </a:ext>
             </a:extLst>
           </p:cNvPr>
           <p:cNvCxnSpPr>
-            <a:stCxn id="17" idx="2"/>
-            <a:endCxn id="23" idx="0"/>
+            <a:stCxn id="51" idx="2"/>
+            <a:endCxn id="58" idx="0"/>
           </p:cNvCxnSpPr>
           <p:nvPr/>
         </p:nvCxnSpPr>
         <p:spPr>
           <a:xfrm rot="16200000" flipH="1">
-            <a:off x="2210253" y="5001584"/>
+            <a:off x="2210253" y="4641544"/>
             <a:ext cx="204098" cy="683182"/>
           </a:xfrm>
           <a:prstGeom prst="bentConnector3">
@@ -3518,21 +3518,21 @@
       </p:cxnSp>
       <p:cxnSp>
         <p:nvCxnSpPr>
-          <p:cNvPr id="27" name="コネクタ: カギ線 26">
-            <a:extLst>
-              <a:ext uri="{FF2B5EF4-FFF2-40B4-BE49-F238E27FC236}">
-                <a16:creationId xmlns:a16="http://schemas.microsoft.com/office/drawing/2014/main" id="{119E6890-1883-490C-920A-3C075E85310C}"/>
+          <p:cNvPr id="66" name="コネクタ: カギ線 65">
+            <a:extLst>
+              <a:ext uri="{FF2B5EF4-FFF2-40B4-BE49-F238E27FC236}">
+                <a16:creationId xmlns:a16="http://schemas.microsoft.com/office/drawing/2014/main" id="{41595D82-0649-43F2-841B-4A8128AF0B05}"/>
               </a:ext>
             </a:extLst>
           </p:cNvPr>
           <p:cNvCxnSpPr>
-            <a:stCxn id="17" idx="2"/>
+            <a:stCxn id="51" idx="2"/>
           </p:cNvCxnSpPr>
           <p:nvPr/>
         </p:nvCxnSpPr>
         <p:spPr>
           <a:xfrm rot="16200000" flipH="1">
-            <a:off x="2534289" y="4677548"/>
+            <a:off x="2534289" y="4317508"/>
             <a:ext cx="204098" cy="1331254"/>
           </a:xfrm>
           <a:prstGeom prst="bentConnector3">
@@ -3563,10 +3563,10 @@
       </p:cxnSp>
       <p:sp>
         <p:nvSpPr>
-          <p:cNvPr id="28" name="四角形: 角を丸くする 27">
-            <a:extLst>
-              <a:ext uri="{FF2B5EF4-FFF2-40B4-BE49-F238E27FC236}">
-                <a16:creationId xmlns:a16="http://schemas.microsoft.com/office/drawing/2014/main" id="{98AFF3E0-E0C6-4AE5-86E3-A034C9E46185}"/>
+          <p:cNvPr id="67" name="四角形: 角を丸くする 66">
+            <a:extLst>
+              <a:ext uri="{FF2B5EF4-FFF2-40B4-BE49-F238E27FC236}">
+                <a16:creationId xmlns:a16="http://schemas.microsoft.com/office/drawing/2014/main" id="{C290D9D0-3DD0-4D8A-93AA-021928521B4E}"/>
               </a:ext>
             </a:extLst>
           </p:cNvPr>
@@ -3575,8 +3575,8 @@
         </p:nvSpPr>
         <p:spPr>
           <a:xfrm>
-            <a:off x="1115616" y="4509120"/>
-            <a:ext cx="3024336" cy="1728192"/>
+            <a:off x="1115616" y="4149080"/>
+            <a:ext cx="3024336" cy="1800200"/>
           </a:xfrm>
           <a:prstGeom prst="roundRect">
             <a:avLst/>
@@ -3616,10 +3616,10 @@
       </p:sp>
       <p:pic>
         <p:nvPicPr>
-          <p:cNvPr id="30" name="Picture 2" descr="フォルダのイラスト">
-            <a:extLst>
-              <a:ext uri="{FF2B5EF4-FFF2-40B4-BE49-F238E27FC236}">
-                <a16:creationId xmlns:a16="http://schemas.microsoft.com/office/drawing/2014/main" id="{8ED7931C-CA3D-474C-A421-06E6F666FB45}"/>
+          <p:cNvPr id="68" name="Picture 2" descr="フォルダのイラスト">
+            <a:extLst>
+              <a:ext uri="{FF2B5EF4-FFF2-40B4-BE49-F238E27FC236}">
+                <a16:creationId xmlns:a16="http://schemas.microsoft.com/office/drawing/2014/main" id="{23D3B546-9980-41C8-9C16-63A13A5152D4}"/>
               </a:ext>
             </a:extLst>
           </p:cNvPr>
@@ -3643,7 +3643,7 @@
         </p:blipFill>
         <p:spPr bwMode="auto">
           <a:xfrm>
-            <a:off x="5364088" y="4653136"/>
+            <a:off x="5364088" y="4293096"/>
             <a:ext cx="702078" cy="587990"/>
           </a:xfrm>
           <a:prstGeom prst="rect">
@@ -3663,10 +3663,10 @@
       </p:pic>
       <p:pic>
         <p:nvPicPr>
-          <p:cNvPr id="31" name="Picture 4">
-            <a:extLst>
-              <a:ext uri="{FF2B5EF4-FFF2-40B4-BE49-F238E27FC236}">
-                <a16:creationId xmlns:a16="http://schemas.microsoft.com/office/drawing/2014/main" id="{87B8BD40-BCB9-4798-A65A-7BCC1CA9FAEC}"/>
+          <p:cNvPr id="69" name="Picture 4">
+            <a:extLst>
+              <a:ext uri="{FF2B5EF4-FFF2-40B4-BE49-F238E27FC236}">
+                <a16:creationId xmlns:a16="http://schemas.microsoft.com/office/drawing/2014/main" id="{FA0EE528-20A8-49D0-98D4-3F8661D2C3A5}"/>
               </a:ext>
             </a:extLst>
           </p:cNvPr>
@@ -3690,7 +3690,7 @@
         </p:blipFill>
         <p:spPr bwMode="auto">
           <a:xfrm>
-            <a:off x="5508104" y="4797152"/>
+            <a:off x="5508104" y="4437112"/>
             <a:ext cx="360040" cy="360040"/>
           </a:xfrm>
           <a:prstGeom prst="rect">
@@ -3710,10 +3710,10 @@
       </p:pic>
       <p:pic>
         <p:nvPicPr>
-          <p:cNvPr id="32" name="Picture 2" descr="ファイルアイコン（テキスト）">
-            <a:extLst>
-              <a:ext uri="{FF2B5EF4-FFF2-40B4-BE49-F238E27FC236}">
-                <a16:creationId xmlns:a16="http://schemas.microsoft.com/office/drawing/2014/main" id="{01700934-BE41-451E-B233-A45FAF9312A3}"/>
+          <p:cNvPr id="70" name="Picture 2" descr="ファイルアイコン（テキスト）">
+            <a:extLst>
+              <a:ext uri="{FF2B5EF4-FFF2-40B4-BE49-F238E27FC236}">
+                <a16:creationId xmlns:a16="http://schemas.microsoft.com/office/drawing/2014/main" id="{B4F865E6-3F50-4E44-8257-5F9F3B1FB7BF}"/>
               </a:ext>
             </a:extLst>
           </p:cNvPr>
@@ -3737,7 +3737,7 @@
         </p:blipFill>
         <p:spPr bwMode="auto">
           <a:xfrm>
-            <a:off x="5474841" y="5445224"/>
+            <a:off x="5474841" y="5085184"/>
             <a:ext cx="484265" cy="562372"/>
           </a:xfrm>
           <a:prstGeom prst="rect">
@@ -3757,22 +3757,22 @@
       </p:pic>
       <p:cxnSp>
         <p:nvCxnSpPr>
-          <p:cNvPr id="33" name="直線コネクタ 32">
-            <a:extLst>
-              <a:ext uri="{FF2B5EF4-FFF2-40B4-BE49-F238E27FC236}">
-                <a16:creationId xmlns:a16="http://schemas.microsoft.com/office/drawing/2014/main" id="{68E32223-D553-43DA-BD4F-619C273211EF}"/>
+          <p:cNvPr id="71" name="直線コネクタ 70">
+            <a:extLst>
+              <a:ext uri="{FF2B5EF4-FFF2-40B4-BE49-F238E27FC236}">
+                <a16:creationId xmlns:a16="http://schemas.microsoft.com/office/drawing/2014/main" id="{CD38F91E-B2D5-40E0-8E2A-5D329478EFEE}"/>
               </a:ext>
             </a:extLst>
           </p:cNvPr>
           <p:cNvCxnSpPr>
-            <a:stCxn id="30" idx="2"/>
-            <a:endCxn id="32" idx="0"/>
+            <a:stCxn id="68" idx="2"/>
+            <a:endCxn id="70" idx="0"/>
           </p:cNvCxnSpPr>
           <p:nvPr/>
         </p:nvCxnSpPr>
         <p:spPr>
           <a:xfrm>
-            <a:off x="5715127" y="5241126"/>
+            <a:off x="5715127" y="4881086"/>
             <a:ext cx="1847" cy="204098"/>
           </a:xfrm>
           <a:prstGeom prst="line">
@@ -3803,10 +3803,10 @@
       </p:cxnSp>
       <p:pic>
         <p:nvPicPr>
-          <p:cNvPr id="34" name="Picture 2" descr="ファイルアイコン（テキスト）">
-            <a:extLst>
-              <a:ext uri="{FF2B5EF4-FFF2-40B4-BE49-F238E27FC236}">
-                <a16:creationId xmlns:a16="http://schemas.microsoft.com/office/drawing/2014/main" id="{A871EE80-4AF0-4DD2-B49E-691A5CDF4FB7}"/>
+          <p:cNvPr id="72" name="Picture 2" descr="ファイルアイコン（テキスト）">
+            <a:extLst>
+              <a:ext uri="{FF2B5EF4-FFF2-40B4-BE49-F238E27FC236}">
+                <a16:creationId xmlns:a16="http://schemas.microsoft.com/office/drawing/2014/main" id="{87DEE6B7-95C0-4771-B0E9-570EE2730AC0}"/>
               </a:ext>
             </a:extLst>
           </p:cNvPr>
@@ -3830,7 +3830,7 @@
         </p:blipFill>
         <p:spPr bwMode="auto">
           <a:xfrm>
-            <a:off x="6156176" y="5445224"/>
+            <a:off x="6156176" y="5085184"/>
             <a:ext cx="484265" cy="562372"/>
           </a:xfrm>
           <a:prstGeom prst="rect">
@@ -3850,22 +3850,22 @@
       </p:pic>
       <p:cxnSp>
         <p:nvCxnSpPr>
-          <p:cNvPr id="36" name="コネクタ: カギ線 35">
-            <a:extLst>
-              <a:ext uri="{FF2B5EF4-FFF2-40B4-BE49-F238E27FC236}">
-                <a16:creationId xmlns:a16="http://schemas.microsoft.com/office/drawing/2014/main" id="{70375162-5D13-4E35-ACA6-57B835161574}"/>
+          <p:cNvPr id="73" name="コネクタ: カギ線 72">
+            <a:extLst>
+              <a:ext uri="{FF2B5EF4-FFF2-40B4-BE49-F238E27FC236}">
+                <a16:creationId xmlns:a16="http://schemas.microsoft.com/office/drawing/2014/main" id="{8A468060-CA11-4ACF-9749-027A6EEDEFF7}"/>
               </a:ext>
             </a:extLst>
           </p:cNvPr>
           <p:cNvCxnSpPr>
-            <a:stCxn id="30" idx="2"/>
-            <a:endCxn id="34" idx="0"/>
+            <a:stCxn id="68" idx="2"/>
+            <a:endCxn id="72" idx="0"/>
           </p:cNvCxnSpPr>
           <p:nvPr/>
         </p:nvCxnSpPr>
         <p:spPr>
           <a:xfrm rot="16200000" flipH="1">
-            <a:off x="5954669" y="5001584"/>
+            <a:off x="5954669" y="4641544"/>
             <a:ext cx="204098" cy="683182"/>
           </a:xfrm>
           <a:prstGeom prst="bentConnector3">
@@ -3896,21 +3896,21 @@
       </p:cxnSp>
       <p:cxnSp>
         <p:nvCxnSpPr>
-          <p:cNvPr id="37" name="コネクタ: カギ線 36">
-            <a:extLst>
-              <a:ext uri="{FF2B5EF4-FFF2-40B4-BE49-F238E27FC236}">
-                <a16:creationId xmlns:a16="http://schemas.microsoft.com/office/drawing/2014/main" id="{D4B26F46-2E7A-42FC-AF8B-9D2F193E2DFF}"/>
+          <p:cNvPr id="74" name="コネクタ: カギ線 73">
+            <a:extLst>
+              <a:ext uri="{FF2B5EF4-FFF2-40B4-BE49-F238E27FC236}">
+                <a16:creationId xmlns:a16="http://schemas.microsoft.com/office/drawing/2014/main" id="{D4535D0C-A168-4BCE-A2FE-5BEFF5F2C686}"/>
               </a:ext>
             </a:extLst>
           </p:cNvPr>
           <p:cNvCxnSpPr>
-            <a:stCxn id="30" idx="2"/>
+            <a:stCxn id="68" idx="2"/>
           </p:cNvCxnSpPr>
           <p:nvPr/>
         </p:nvCxnSpPr>
         <p:spPr>
           <a:xfrm rot="16200000" flipH="1">
-            <a:off x="6278705" y="4677548"/>
+            <a:off x="6278705" y="4317508"/>
             <a:ext cx="204098" cy="1331254"/>
           </a:xfrm>
           <a:prstGeom prst="bentConnector3">
@@ -3941,10 +3941,10 @@
       </p:cxnSp>
       <p:sp>
         <p:nvSpPr>
-          <p:cNvPr id="38" name="四角形: 角を丸くする 37">
-            <a:extLst>
-              <a:ext uri="{FF2B5EF4-FFF2-40B4-BE49-F238E27FC236}">
-                <a16:creationId xmlns:a16="http://schemas.microsoft.com/office/drawing/2014/main" id="{89C36F59-3B47-4ADD-9340-4DC0E8019473}"/>
+          <p:cNvPr id="75" name="四角形: 角を丸くする 74">
+            <a:extLst>
+              <a:ext uri="{FF2B5EF4-FFF2-40B4-BE49-F238E27FC236}">
+                <a16:creationId xmlns:a16="http://schemas.microsoft.com/office/drawing/2014/main" id="{666FFDE1-65ED-46A3-B1ED-45B158F80326}"/>
               </a:ext>
             </a:extLst>
           </p:cNvPr>
@@ -3953,8 +3953,8 @@
         </p:nvSpPr>
         <p:spPr>
           <a:xfrm>
-            <a:off x="4860032" y="4509120"/>
-            <a:ext cx="3024336" cy="1728192"/>
+            <a:off x="4860032" y="4149080"/>
+            <a:ext cx="3024336" cy="1800200"/>
           </a:xfrm>
           <a:prstGeom prst="roundRect">
             <a:avLst/>
@@ -3994,10 +3994,10 @@
       </p:sp>
       <p:grpSp>
         <p:nvGrpSpPr>
-          <p:cNvPr id="40" name="グループ化 39">
-            <a:extLst>
-              <a:ext uri="{FF2B5EF4-FFF2-40B4-BE49-F238E27FC236}">
-                <a16:creationId xmlns:a16="http://schemas.microsoft.com/office/drawing/2014/main" id="{FC4D3297-D2C8-4C4B-A202-B146F209A279}"/>
+          <p:cNvPr id="76" name="グループ化 75">
+            <a:extLst>
+              <a:ext uri="{FF2B5EF4-FFF2-40B4-BE49-F238E27FC236}">
+                <a16:creationId xmlns:a16="http://schemas.microsoft.com/office/drawing/2014/main" id="{C4210C37-AB7B-4CA8-8A2D-E37CDA438C1C}"/>
               </a:ext>
             </a:extLst>
           </p:cNvPr>
@@ -4006,7 +4006,7 @@
         </p:nvGrpSpPr>
         <p:grpSpPr>
           <a:xfrm>
-            <a:off x="6876256" y="5445224"/>
+            <a:off x="6876256" y="5085184"/>
             <a:ext cx="360040" cy="504056"/>
             <a:chOff x="6012160" y="533182"/>
             <a:chExt cx="2160240" cy="3255858"/>
@@ -4014,10 +4014,10 @@
         </p:grpSpPr>
         <p:sp>
           <p:nvSpPr>
-            <p:cNvPr id="39" name="四角形: 1 つの角を切り取る 38">
+            <p:cNvPr id="77" name="四角形: 1 つの角を切り取る 76">
               <a:extLst>
                 <a:ext uri="{FF2B5EF4-FFF2-40B4-BE49-F238E27FC236}">
-                  <a16:creationId xmlns:a16="http://schemas.microsoft.com/office/drawing/2014/main" id="{6CDEF8F1-866D-4865-A10C-B0D5F2F9A960}"/>
+                  <a16:creationId xmlns:a16="http://schemas.microsoft.com/office/drawing/2014/main" id="{70F38BEE-8242-4A98-841F-5733CE9BE035}"/>
                 </a:ext>
               </a:extLst>
             </p:cNvPr>
@@ -4073,10 +4073,10 @@
         </p:sp>
         <p:sp>
           <p:nvSpPr>
-            <p:cNvPr id="29" name="二等辺三角形 28">
+            <p:cNvPr id="78" name="二等辺三角形 77">
               <a:extLst>
                 <a:ext uri="{FF2B5EF4-FFF2-40B4-BE49-F238E27FC236}">
-                  <a16:creationId xmlns:a16="http://schemas.microsoft.com/office/drawing/2014/main" id="{265676A8-20BC-47C7-9D0C-3416306664F9}"/>
+                  <a16:creationId xmlns:a16="http://schemas.microsoft.com/office/drawing/2014/main" id="{DABC5A13-F0EF-4AEB-B619-D19BC6A0C388}"/>
                 </a:ext>
               </a:extLst>
             </p:cNvPr>
@@ -4130,10 +4130,10 @@
       </p:grpSp>
       <p:grpSp>
         <p:nvGrpSpPr>
-          <p:cNvPr id="42" name="グループ化 41">
-            <a:extLst>
-              <a:ext uri="{FF2B5EF4-FFF2-40B4-BE49-F238E27FC236}">
-                <a16:creationId xmlns:a16="http://schemas.microsoft.com/office/drawing/2014/main" id="{751F77F9-18F5-498E-9204-1FADA91DF90D}"/>
+          <p:cNvPr id="79" name="グループ化 78">
+            <a:extLst>
+              <a:ext uri="{FF2B5EF4-FFF2-40B4-BE49-F238E27FC236}">
+                <a16:creationId xmlns:a16="http://schemas.microsoft.com/office/drawing/2014/main" id="{45DAEB02-4BA9-4DBC-95F6-17635394F6E9}"/>
               </a:ext>
             </a:extLst>
           </p:cNvPr>
@@ -4142,7 +4142,7 @@
         </p:nvGrpSpPr>
         <p:grpSpPr>
           <a:xfrm>
-            <a:off x="3131840" y="5445224"/>
+            <a:off x="3131840" y="5085184"/>
             <a:ext cx="360040" cy="504056"/>
             <a:chOff x="6012160" y="533182"/>
             <a:chExt cx="2160240" cy="3255858"/>
@@ -4150,10 +4150,10 @@
         </p:grpSpPr>
         <p:sp>
           <p:nvSpPr>
-            <p:cNvPr id="43" name="四角形: 1 つの角を切り取る 42">
+            <p:cNvPr id="80" name="四角形: 1 つの角を切り取る 79">
               <a:extLst>
                 <a:ext uri="{FF2B5EF4-FFF2-40B4-BE49-F238E27FC236}">
-                  <a16:creationId xmlns:a16="http://schemas.microsoft.com/office/drawing/2014/main" id="{F1606539-D918-41C2-BA84-8686B507C085}"/>
+                  <a16:creationId xmlns:a16="http://schemas.microsoft.com/office/drawing/2014/main" id="{CF7AC160-F13E-4F24-A15C-87761A440629}"/>
                 </a:ext>
               </a:extLst>
             </p:cNvPr>
@@ -4209,10 +4209,10 @@
         </p:sp>
         <p:sp>
           <p:nvSpPr>
-            <p:cNvPr id="44" name="二等辺三角形 43">
+            <p:cNvPr id="81" name="二等辺三角形 80">
               <a:extLst>
                 <a:ext uri="{FF2B5EF4-FFF2-40B4-BE49-F238E27FC236}">
-                  <a16:creationId xmlns:a16="http://schemas.microsoft.com/office/drawing/2014/main" id="{2CAC5A01-BD34-4201-B0D7-B092C6651D49}"/>
+                  <a16:creationId xmlns:a16="http://schemas.microsoft.com/office/drawing/2014/main" id="{31C358ED-7FD3-4237-A782-CF472E2DE13A}"/>
                 </a:ext>
               </a:extLst>
             </p:cNvPr>
@@ -4266,10 +4266,10 @@
       </p:grpSp>
       <p:sp>
         <p:nvSpPr>
-          <p:cNvPr id="45" name="四角形: 1 つの角を切り取り 1 つの角を丸める 44">
-            <a:extLst>
-              <a:ext uri="{FF2B5EF4-FFF2-40B4-BE49-F238E27FC236}">
-                <a16:creationId xmlns:a16="http://schemas.microsoft.com/office/drawing/2014/main" id="{069D4EC7-EE72-4565-A61E-AA9ECBBF8558}"/>
+          <p:cNvPr id="82" name="四角形: 1 つの角を切り取り 1 つの角を丸める 81">
+            <a:extLst>
+              <a:ext uri="{FF2B5EF4-FFF2-40B4-BE49-F238E27FC236}">
+                <a16:creationId xmlns:a16="http://schemas.microsoft.com/office/drawing/2014/main" id="{21F0EB71-8448-42AB-BDE0-AE8B7646B5F1}"/>
               </a:ext>
             </a:extLst>
           </p:cNvPr>
@@ -4278,7 +4278,7 @@
         </p:nvSpPr>
         <p:spPr>
           <a:xfrm>
-            <a:off x="1187624" y="3212976"/>
+            <a:off x="1547664" y="2924944"/>
             <a:ext cx="1152128" cy="338336"/>
           </a:xfrm>
           <a:prstGeom prst="snipRoundRect">
@@ -4340,10 +4340,10 @@
       </p:sp>
       <p:sp>
         <p:nvSpPr>
-          <p:cNvPr id="46" name="正方形/長方形 45">
-            <a:extLst>
-              <a:ext uri="{FF2B5EF4-FFF2-40B4-BE49-F238E27FC236}">
-                <a16:creationId xmlns:a16="http://schemas.microsoft.com/office/drawing/2014/main" id="{C0A58EE7-A11B-4A4C-8F41-918484B8A9A1}"/>
+          <p:cNvPr id="83" name="正方形/長方形 82">
+            <a:extLst>
+              <a:ext uri="{FF2B5EF4-FFF2-40B4-BE49-F238E27FC236}">
+                <a16:creationId xmlns:a16="http://schemas.microsoft.com/office/drawing/2014/main" id="{A18642DE-95E3-46AB-BE06-74FE41B7CC99}"/>
               </a:ext>
             </a:extLst>
           </p:cNvPr>
@@ -4352,7 +4352,7 @@
         </p:nvSpPr>
         <p:spPr>
           <a:xfrm>
-            <a:off x="1292895" y="2459633"/>
+            <a:off x="1652935" y="2171601"/>
             <a:ext cx="936104" cy="360040"/>
           </a:xfrm>
           <a:prstGeom prst="rect">
@@ -4408,23 +4408,23 @@
       </p:sp>
       <p:cxnSp>
         <p:nvCxnSpPr>
-          <p:cNvPr id="47" name="直線矢印コネクタ 46">
-            <a:extLst>
-              <a:ext uri="{FF2B5EF4-FFF2-40B4-BE49-F238E27FC236}">
-                <a16:creationId xmlns:a16="http://schemas.microsoft.com/office/drawing/2014/main" id="{6DEE033D-12D9-405D-9C2A-713B730EDC8B}"/>
+          <p:cNvPr id="84" name="直線矢印コネクタ 83">
+            <a:extLst>
+              <a:ext uri="{FF2B5EF4-FFF2-40B4-BE49-F238E27FC236}">
+                <a16:creationId xmlns:a16="http://schemas.microsoft.com/office/drawing/2014/main" id="{3FE6DBC3-862F-4CAA-9034-DD680967A967}"/>
               </a:ext>
             </a:extLst>
           </p:cNvPr>
           <p:cNvCxnSpPr>
             <a:cxnSpLocks/>
-            <a:stCxn id="46" idx="2"/>
-            <a:endCxn id="45" idx="3"/>
+            <a:stCxn id="83" idx="2"/>
+            <a:endCxn id="82" idx="3"/>
           </p:cNvCxnSpPr>
           <p:nvPr/>
         </p:nvCxnSpPr>
         <p:spPr>
           <a:xfrm>
-            <a:off x="1760947" y="2819673"/>
+            <a:off x="2120987" y="2531641"/>
             <a:ext cx="2741" cy="393303"/>
           </a:xfrm>
           <a:prstGeom prst="straightConnector1">
@@ -4455,22 +4455,22 @@
       </p:cxnSp>
       <p:cxnSp>
         <p:nvCxnSpPr>
-          <p:cNvPr id="53" name="コネクタ: カギ線 52">
-            <a:extLst>
-              <a:ext uri="{FF2B5EF4-FFF2-40B4-BE49-F238E27FC236}">
-                <a16:creationId xmlns:a16="http://schemas.microsoft.com/office/drawing/2014/main" id="{A6CDC189-A698-4B74-9677-3FCFBB516738}"/>
+          <p:cNvPr id="85" name="コネクタ: カギ線 84">
+            <a:extLst>
+              <a:ext uri="{FF2B5EF4-FFF2-40B4-BE49-F238E27FC236}">
+                <a16:creationId xmlns:a16="http://schemas.microsoft.com/office/drawing/2014/main" id="{810CD20B-AF21-409A-B1FA-BFF350EA0122}"/>
               </a:ext>
             </a:extLst>
           </p:cNvPr>
           <p:cNvCxnSpPr>
-            <a:stCxn id="14" idx="4"/>
-            <a:endCxn id="15" idx="0"/>
+            <a:stCxn id="48" idx="4"/>
+            <a:endCxn id="49" idx="0"/>
           </p:cNvCxnSpPr>
           <p:nvPr/>
         </p:nvCxnSpPr>
         <p:spPr>
           <a:xfrm rot="5400000">
-            <a:off x="2771800" y="2492896"/>
+            <a:off x="3131840" y="2204864"/>
             <a:ext cx="1008112" cy="1440160"/>
           </a:xfrm>
           <a:prstGeom prst="bentConnector3">
@@ -4501,22 +4501,22 @@
       </p:cxnSp>
       <p:cxnSp>
         <p:nvCxnSpPr>
-          <p:cNvPr id="55" name="コネクタ: カギ線 54">
-            <a:extLst>
-              <a:ext uri="{FF2B5EF4-FFF2-40B4-BE49-F238E27FC236}">
-                <a16:creationId xmlns:a16="http://schemas.microsoft.com/office/drawing/2014/main" id="{42DD9AA1-9FAD-495C-96D5-EB9478646F0C}"/>
+          <p:cNvPr id="86" name="コネクタ: カギ線 85">
+            <a:extLst>
+              <a:ext uri="{FF2B5EF4-FFF2-40B4-BE49-F238E27FC236}">
+                <a16:creationId xmlns:a16="http://schemas.microsoft.com/office/drawing/2014/main" id="{87A877F9-D2E1-4EA1-80EC-044A514E1EDD}"/>
               </a:ext>
             </a:extLst>
           </p:cNvPr>
           <p:cNvCxnSpPr>
-            <a:stCxn id="14" idx="4"/>
-            <a:endCxn id="16" idx="0"/>
+            <a:stCxn id="48" idx="4"/>
+            <a:endCxn id="50" idx="0"/>
           </p:cNvCxnSpPr>
           <p:nvPr/>
         </p:nvCxnSpPr>
         <p:spPr>
           <a:xfrm rot="16200000" flipH="1">
-            <a:off x="4211960" y="2492896"/>
+            <a:off x="4572000" y="2204864"/>
             <a:ext cx="1008112" cy="1440160"/>
           </a:xfrm>
           <a:prstGeom prst="bentConnector3">
@@ -4547,22 +4547,22 @@
       </p:cxnSp>
       <p:cxnSp>
         <p:nvCxnSpPr>
-          <p:cNvPr id="57" name="コネクタ: カギ線 56">
-            <a:extLst>
-              <a:ext uri="{FF2B5EF4-FFF2-40B4-BE49-F238E27FC236}">
-                <a16:creationId xmlns:a16="http://schemas.microsoft.com/office/drawing/2014/main" id="{33276037-1942-43D1-A612-37151EE58FDD}"/>
+          <p:cNvPr id="87" name="コネクタ: カギ線 86">
+            <a:extLst>
+              <a:ext uri="{FF2B5EF4-FFF2-40B4-BE49-F238E27FC236}">
+                <a16:creationId xmlns:a16="http://schemas.microsoft.com/office/drawing/2014/main" id="{E1249CA2-21FC-4CEB-BABA-ABC4B1EAF25E}"/>
               </a:ext>
             </a:extLst>
           </p:cNvPr>
           <p:cNvCxnSpPr>
-            <a:stCxn id="45" idx="1"/>
-            <a:endCxn id="15" idx="2"/>
+            <a:stCxn id="82" idx="1"/>
+            <a:endCxn id="49" idx="2"/>
           </p:cNvCxnSpPr>
           <p:nvPr/>
         </p:nvCxnSpPr>
         <p:spPr>
           <a:xfrm rot="16200000" flipH="1">
-            <a:off x="1860848" y="3454152"/>
+            <a:off x="2220888" y="3166120"/>
             <a:ext cx="381744" cy="576064"/>
           </a:xfrm>
           <a:prstGeom prst="bentConnector2">
@@ -4593,10 +4593,10 @@
       </p:cxnSp>
       <p:sp>
         <p:nvSpPr>
-          <p:cNvPr id="59" name="四角形: 1 つの角を切り取り 1 つの角を丸める 58">
-            <a:extLst>
-              <a:ext uri="{FF2B5EF4-FFF2-40B4-BE49-F238E27FC236}">
-                <a16:creationId xmlns:a16="http://schemas.microsoft.com/office/drawing/2014/main" id="{6AEF2E15-8B8F-4DB7-8D65-6714CD45E175}"/>
+          <p:cNvPr id="88" name="四角形: 1 つの角を切り取り 1 つの角を丸める 87">
+            <a:extLst>
+              <a:ext uri="{FF2B5EF4-FFF2-40B4-BE49-F238E27FC236}">
+                <a16:creationId xmlns:a16="http://schemas.microsoft.com/office/drawing/2014/main" id="{2915A39B-BB7E-497F-AF6C-A0FF0542C1E7}"/>
               </a:ext>
             </a:extLst>
           </p:cNvPr>
@@ -4605,7 +4605,7 @@
         </p:nvSpPr>
         <p:spPr>
           <a:xfrm>
-            <a:off x="5940152" y="3140968"/>
+            <a:off x="6300192" y="2852936"/>
             <a:ext cx="1152128" cy="338336"/>
           </a:xfrm>
           <a:prstGeom prst="snipRoundRect">
@@ -4667,22 +4667,22 @@
       </p:sp>
       <p:cxnSp>
         <p:nvCxnSpPr>
-          <p:cNvPr id="60" name="コネクタ: カギ線 59">
-            <a:extLst>
-              <a:ext uri="{FF2B5EF4-FFF2-40B4-BE49-F238E27FC236}">
-                <a16:creationId xmlns:a16="http://schemas.microsoft.com/office/drawing/2014/main" id="{7067F39D-EB21-456D-A6D1-C8496D87D24A}"/>
+          <p:cNvPr id="89" name="コネクタ: カギ線 88">
+            <a:extLst>
+              <a:ext uri="{FF2B5EF4-FFF2-40B4-BE49-F238E27FC236}">
+                <a16:creationId xmlns:a16="http://schemas.microsoft.com/office/drawing/2014/main" id="{A37D3730-D193-4A47-AFBF-35A9F67F8B6C}"/>
               </a:ext>
             </a:extLst>
           </p:cNvPr>
           <p:cNvCxnSpPr>
-            <a:stCxn id="59" idx="1"/>
-            <a:endCxn id="16" idx="6"/>
+            <a:stCxn id="88" idx="1"/>
+            <a:endCxn id="50" idx="6"/>
           </p:cNvCxnSpPr>
           <p:nvPr/>
         </p:nvCxnSpPr>
         <p:spPr>
           <a:xfrm rot="5400000">
-            <a:off x="5857292" y="3274132"/>
+            <a:off x="6217332" y="2986100"/>
             <a:ext cx="453752" cy="864096"/>
           </a:xfrm>
           <a:prstGeom prst="bentConnector2">
@@ -4713,10 +4713,10 @@
       </p:cxnSp>
       <p:sp>
         <p:nvSpPr>
-          <p:cNvPr id="61" name="矢印: 左右 60">
-            <a:extLst>
-              <a:ext uri="{FF2B5EF4-FFF2-40B4-BE49-F238E27FC236}">
-                <a16:creationId xmlns:a16="http://schemas.microsoft.com/office/drawing/2014/main" id="{61E9DD67-3356-4748-BC93-ACB019C169E3}"/>
+          <p:cNvPr id="90" name="矢印: 左右 89">
+            <a:extLst>
+              <a:ext uri="{FF2B5EF4-FFF2-40B4-BE49-F238E27FC236}">
+                <a16:creationId xmlns:a16="http://schemas.microsoft.com/office/drawing/2014/main" id="{9BDD36DB-42AD-450D-ADFF-D84CAE3B90C5}"/>
               </a:ext>
             </a:extLst>
           </p:cNvPr>
@@ -4725,7 +4725,7 @@
         </p:nvSpPr>
         <p:spPr>
           <a:xfrm>
-            <a:off x="3131840" y="3789040"/>
+            <a:off x="3491880" y="3501008"/>
             <a:ext cx="1800200" cy="288032"/>
           </a:xfrm>
           <a:prstGeom prst="leftRightArrow">
@@ -4767,10 +4767,10 @@
       </p:sp>
       <p:sp>
         <p:nvSpPr>
-          <p:cNvPr id="63" name="テキスト ボックス 62">
-            <a:extLst>
-              <a:ext uri="{FF2B5EF4-FFF2-40B4-BE49-F238E27FC236}">
-                <a16:creationId xmlns:a16="http://schemas.microsoft.com/office/drawing/2014/main" id="{BBE5E832-1AFE-48D2-8EF9-14FDB4948009}"/>
+          <p:cNvPr id="91" name="テキスト ボックス 90">
+            <a:extLst>
+              <a:ext uri="{FF2B5EF4-FFF2-40B4-BE49-F238E27FC236}">
+                <a16:creationId xmlns:a16="http://schemas.microsoft.com/office/drawing/2014/main" id="{540A75BF-C4CD-4099-B3C5-A306FB5A7074}"/>
               </a:ext>
             </a:extLst>
           </p:cNvPr>
@@ -4812,10 +4812,10 @@
       </p:sp>
       <p:sp>
         <p:nvSpPr>
-          <p:cNvPr id="62" name="テキスト ボックス 61">
-            <a:extLst>
-              <a:ext uri="{FF2B5EF4-FFF2-40B4-BE49-F238E27FC236}">
-                <a16:creationId xmlns:a16="http://schemas.microsoft.com/office/drawing/2014/main" id="{13494A56-7FDC-4BD8-94ED-ABF359B03E78}"/>
+          <p:cNvPr id="92" name="テキスト ボックス 91">
+            <a:extLst>
+              <a:ext uri="{FF2B5EF4-FFF2-40B4-BE49-F238E27FC236}">
+                <a16:creationId xmlns:a16="http://schemas.microsoft.com/office/drawing/2014/main" id="{11C5077E-AF51-4460-952F-6944D7171167}"/>
               </a:ext>
             </a:extLst>
           </p:cNvPr>
@@ -4824,7 +4824,7 @@
         </p:nvSpPr>
         <p:spPr>
           <a:xfrm>
-            <a:off x="2843808" y="5949280"/>
+            <a:off x="2843808" y="5589240"/>
             <a:ext cx="1034257" cy="276999"/>
           </a:xfrm>
           <a:prstGeom prst="rect">
@@ -4852,10 +4852,10 @@
       </p:sp>
       <p:sp>
         <p:nvSpPr>
-          <p:cNvPr id="65" name="テキスト ボックス 64">
-            <a:extLst>
-              <a:ext uri="{FF2B5EF4-FFF2-40B4-BE49-F238E27FC236}">
-                <a16:creationId xmlns:a16="http://schemas.microsoft.com/office/drawing/2014/main" id="{3BA00FC9-20A9-4ECA-95C8-EC2A95EE6E3C}"/>
+          <p:cNvPr id="93" name="テキスト ボックス 92">
+            <a:extLst>
+              <a:ext uri="{FF2B5EF4-FFF2-40B4-BE49-F238E27FC236}">
+                <a16:creationId xmlns:a16="http://schemas.microsoft.com/office/drawing/2014/main" id="{A4A89373-7A91-43CD-8DA1-7F107A4FAF6A}"/>
               </a:ext>
             </a:extLst>
           </p:cNvPr>
@@ -4864,7 +4864,7 @@
         </p:nvSpPr>
         <p:spPr>
           <a:xfrm>
-            <a:off x="6588224" y="5949280"/>
+            <a:off x="6588224" y="5589240"/>
             <a:ext cx="1034257" cy="276999"/>
           </a:xfrm>
           <a:prstGeom prst="rect">
@@ -4887,6 +4887,220 @@
             <a:endParaRPr kumimoji="1" lang="ja-JP" altLang="en-US" sz="1200" dirty="0">
               <a:latin typeface="Consolas" panose="020B0609020204030204" pitchFamily="49" charset="0"/>
             </a:endParaRPr>
+          </a:p>
+        </p:txBody>
+      </p:sp>
+      <p:sp>
+        <p:nvSpPr>
+          <p:cNvPr id="94" name="テキスト ボックス 93">
+            <a:extLst>
+              <a:ext uri="{FF2B5EF4-FFF2-40B4-BE49-F238E27FC236}">
+                <a16:creationId xmlns:a16="http://schemas.microsoft.com/office/drawing/2014/main" id="{24CB9CFE-0079-4123-94E8-3AC3FB0231AB}"/>
+              </a:ext>
+            </a:extLst>
+          </p:cNvPr>
+          <p:cNvSpPr txBox="1"/>
+          <p:nvPr/>
+        </p:nvSpPr>
+        <p:spPr>
+          <a:xfrm>
+            <a:off x="3491880" y="3068960"/>
+            <a:ext cx="2031325" cy="369332"/>
+          </a:xfrm>
+          <a:prstGeom prst="rect">
+            <a:avLst/>
+          </a:prstGeom>
+          <a:noFill/>
+        </p:spPr>
+        <p:txBody>
+          <a:bodyPr wrap="none" rtlCol="0">
+            <a:spAutoFit/>
+          </a:bodyPr>
+          <a:lstStyle/>
+          <a:p>
+            <a:r>
+              <a:rPr kumimoji="1" lang="ja-JP" altLang="en-US"/>
+              <a:t>コミット間を比較</a:t>
+            </a:r>
+          </a:p>
+        </p:txBody>
+      </p:sp>
+      <p:cxnSp>
+        <p:nvCxnSpPr>
+          <p:cNvPr id="95" name="コネクタ: カギ線 94">
+            <a:extLst>
+              <a:ext uri="{FF2B5EF4-FFF2-40B4-BE49-F238E27FC236}">
+                <a16:creationId xmlns:a16="http://schemas.microsoft.com/office/drawing/2014/main" id="{EEBF2E39-7599-4561-8447-C0D3A7B94D92}"/>
+              </a:ext>
+            </a:extLst>
+          </p:cNvPr>
+          <p:cNvCxnSpPr>
+            <a:cxnSpLocks/>
+            <a:stCxn id="92" idx="2"/>
+            <a:endCxn id="93" idx="2"/>
+          </p:cNvCxnSpPr>
+          <p:nvPr/>
+        </p:nvCxnSpPr>
+        <p:spPr>
+          <a:xfrm rot="16200000" flipH="1">
+            <a:off x="5233145" y="3994031"/>
+            <a:ext cx="12700" cy="3744416"/>
+          </a:xfrm>
+          <a:prstGeom prst="bentConnector3">
+            <a:avLst>
+              <a:gd name="adj1" fmla="val 2400000"/>
+            </a:avLst>
+          </a:prstGeom>
+          <a:ln w="28575">
+            <a:solidFill>
+              <a:srgbClr val="FF0000"/>
+            </a:solidFill>
+            <a:headEnd type="triangle"/>
+            <a:tailEnd type="triangle"/>
+          </a:ln>
+        </p:spPr>
+        <p:style>
+          <a:lnRef idx="1">
+            <a:schemeClr val="accent1"/>
+          </a:lnRef>
+          <a:fillRef idx="0">
+            <a:schemeClr val="accent1"/>
+          </a:fillRef>
+          <a:effectRef idx="0">
+            <a:schemeClr val="accent1"/>
+          </a:effectRef>
+          <a:fontRef idx="minor">
+            <a:schemeClr val="tx1"/>
+          </a:fontRef>
+        </p:style>
+      </p:cxnSp>
+      <p:cxnSp>
+        <p:nvCxnSpPr>
+          <p:cNvPr id="96" name="コネクタ: カギ線 95">
+            <a:extLst>
+              <a:ext uri="{FF2B5EF4-FFF2-40B4-BE49-F238E27FC236}">
+                <a16:creationId xmlns:a16="http://schemas.microsoft.com/office/drawing/2014/main" id="{F09F921D-CFE2-486F-8C00-83F32EF42713}"/>
+              </a:ext>
+            </a:extLst>
+          </p:cNvPr>
+          <p:cNvCxnSpPr>
+            <a:cxnSpLocks/>
+            <a:stCxn id="49" idx="4"/>
+            <a:endCxn id="67" idx="0"/>
+          </p:cNvCxnSpPr>
+          <p:nvPr/>
+        </p:nvCxnSpPr>
+        <p:spPr>
+          <a:xfrm rot="5400000">
+            <a:off x="2627784" y="3861048"/>
+            <a:ext cx="288032" cy="288032"/>
+          </a:xfrm>
+          <a:prstGeom prst="bentConnector3">
+            <a:avLst/>
+          </a:prstGeom>
+          <a:ln>
+            <a:solidFill>
+              <a:schemeClr val="tx1"/>
+            </a:solidFill>
+            <a:headEnd type="none" w="med" len="med"/>
+            <a:tailEnd type="triangle"/>
+          </a:ln>
+        </p:spPr>
+        <p:style>
+          <a:lnRef idx="1">
+            <a:schemeClr val="accent1"/>
+          </a:lnRef>
+          <a:fillRef idx="0">
+            <a:schemeClr val="accent1"/>
+          </a:fillRef>
+          <a:effectRef idx="0">
+            <a:schemeClr val="accent1"/>
+          </a:effectRef>
+          <a:fontRef idx="minor">
+            <a:schemeClr val="tx1"/>
+          </a:fontRef>
+        </p:style>
+      </p:cxnSp>
+      <p:cxnSp>
+        <p:nvCxnSpPr>
+          <p:cNvPr id="97" name="コネクタ: カギ線 96">
+            <a:extLst>
+              <a:ext uri="{FF2B5EF4-FFF2-40B4-BE49-F238E27FC236}">
+                <a16:creationId xmlns:a16="http://schemas.microsoft.com/office/drawing/2014/main" id="{47DA4B99-A365-4D9E-BA89-08A026E31B65}"/>
+              </a:ext>
+            </a:extLst>
+          </p:cNvPr>
+          <p:cNvCxnSpPr>
+            <a:cxnSpLocks/>
+            <a:stCxn id="50" idx="4"/>
+            <a:endCxn id="75" idx="0"/>
+          </p:cNvCxnSpPr>
+          <p:nvPr/>
+        </p:nvCxnSpPr>
+        <p:spPr>
+          <a:xfrm rot="16200000" flipH="1">
+            <a:off x="5940152" y="3717032"/>
+            <a:ext cx="288032" cy="576064"/>
+          </a:xfrm>
+          <a:prstGeom prst="bentConnector3">
+            <a:avLst/>
+          </a:prstGeom>
+          <a:ln>
+            <a:solidFill>
+              <a:schemeClr val="tx1"/>
+            </a:solidFill>
+            <a:headEnd type="none" w="med" len="med"/>
+            <a:tailEnd type="triangle"/>
+          </a:ln>
+        </p:spPr>
+        <p:style>
+          <a:lnRef idx="1">
+            <a:schemeClr val="accent1"/>
+          </a:lnRef>
+          <a:fillRef idx="0">
+            <a:schemeClr val="accent1"/>
+          </a:fillRef>
+          <a:effectRef idx="0">
+            <a:schemeClr val="accent1"/>
+          </a:effectRef>
+          <a:fontRef idx="minor">
+            <a:schemeClr val="tx1"/>
+          </a:fontRef>
+        </p:style>
+      </p:cxnSp>
+      <p:sp>
+        <p:nvSpPr>
+          <p:cNvPr id="98" name="テキスト ボックス 97">
+            <a:extLst>
+              <a:ext uri="{FF2B5EF4-FFF2-40B4-BE49-F238E27FC236}">
+                <a16:creationId xmlns:a16="http://schemas.microsoft.com/office/drawing/2014/main" id="{18CAAB0B-14AA-4A20-AAA2-27990E521472}"/>
+              </a:ext>
+            </a:extLst>
+          </p:cNvPr>
+          <p:cNvSpPr txBox="1"/>
+          <p:nvPr/>
+        </p:nvSpPr>
+        <p:spPr>
+          <a:xfrm>
+            <a:off x="3980835" y="6300028"/>
+            <a:ext cx="2031325" cy="369332"/>
+          </a:xfrm>
+          <a:prstGeom prst="rect">
+            <a:avLst/>
+          </a:prstGeom>
+          <a:noFill/>
+        </p:spPr>
+        <p:txBody>
+          <a:bodyPr wrap="none" rtlCol="0">
+            <a:spAutoFit/>
+          </a:bodyPr>
+          <a:lstStyle/>
+          <a:p>
+            <a:r>
+              <a:rPr lang="ja-JP" altLang="en-US"/>
+              <a:t>ここに差分を検出</a:t>
+            </a:r>
+            <a:endParaRPr kumimoji="1" lang="ja-JP" altLang="en-US"/>
           </a:p>
         </p:txBody>
       </p:sp>

--- a/practice_advanced/fig/slide.pptx
+++ b/practice_advanced/fig/slide.pptx
@@ -235,7 +235,7 @@
           </a:lstStyle>
           <a:p>
             <a:fld id="{6B8D1B20-A248-FB47-8240-73C0C5F47C9D}" type="datetimeFigureOut">
-              <a:t>2021/10/21</a:t>
+              <a:t>2022/10/28</a:t>
             </a:fld>
             <a:endParaRPr kumimoji="1" lang="ja-JP" altLang="en-US"/>
           </a:p>
@@ -12291,7 +12291,7 @@
                 </a:solidFill>
                 <a:latin typeface="Consolas" panose="020B0609020204030204" pitchFamily="49" charset="0"/>
               </a:rPr>
-              <a:t>knock</a:t>
+              <a:t>start</a:t>
             </a:r>
             <a:endParaRPr kumimoji="1" lang="ja-JP" altLang="en-US" dirty="0">
               <a:solidFill>
@@ -14934,8 +14934,8 @@
         </p:nvSpPr>
         <p:spPr>
           <a:xfrm>
-            <a:off x="755576" y="1556792"/>
-            <a:ext cx="8162812" cy="1200329"/>
+            <a:off x="395536" y="1556792"/>
+            <a:ext cx="8669361" cy="1200329"/>
           </a:xfrm>
           <a:prstGeom prst="rect">
             <a:avLst/>
@@ -14982,7 +14982,7 @@
               <a:rPr lang="en-US" altLang="ja-JP" dirty="0">
                 <a:latin typeface="Consolas" panose="020B0609020204030204" pitchFamily="49" charset="0"/>
               </a:rPr>
-              <a:t>git clone https://github.com/appi-github/rebase-conflict-sample</a:t>
+              <a:t>git clone https://github.com/appi-github/rebase-conflict-sample.git</a:t>
             </a:r>
           </a:p>
           <a:p>
@@ -16947,13 +16947,7 @@
               <a:rPr kumimoji="1" lang="en-US" altLang="ja-JP" sz="2000" dirty="0">
                 <a:latin typeface="Consolas" panose="020B0609020204030204" pitchFamily="49" charset="0"/>
               </a:rPr>
-              <a:t>git log --all --graph --</a:t>
-            </a:r>
-            <a:r>
-              <a:rPr kumimoji="1" lang="en-US" altLang="ja-JP" sz="2000" dirty="0" err="1">
-                <a:latin typeface="Consolas" panose="020B0609020204030204" pitchFamily="49" charset="0"/>
-              </a:rPr>
-              <a:t>oneline</a:t>
+              <a:t>git log --all --graph --oneline</a:t>
             </a:r>
             <a:endParaRPr kumimoji="1" lang="ja-JP" altLang="en-US" sz="2000" dirty="0">
               <a:latin typeface="Consolas" panose="020B0609020204030204" pitchFamily="49" charset="0"/>

--- a/practice_advanced/fig/slide.pptx
+++ b/practice_advanced/fig/slide.pptx
@@ -235,7 +235,7 @@
           </a:lstStyle>
           <a:p>
             <a:fld id="{6B8D1B20-A248-FB47-8240-73C0C5F47C9D}" type="datetimeFigureOut">
-              <a:t>2022/10/28</a:t>
+              <a:t>2025/10/24</a:t>
             </a:fld>
             <a:endParaRPr kumimoji="1" lang="ja-JP" altLang="en-US"/>
           </a:p>
@@ -28175,7 +28175,7 @@
         </p:nvSpPr>
         <p:spPr>
           <a:xfrm>
-            <a:off x="251520" y="3645024"/>
+            <a:off x="251520" y="3188456"/>
             <a:ext cx="3262432" cy="461665"/>
           </a:xfrm>
           <a:prstGeom prst="rect">
@@ -28192,42 +28192,6 @@
             <a:r>
               <a:rPr lang="ja-JP" altLang="en-US" sz="2400" dirty="0"/>
               <a:t>リポジトリのクローン</a:t>
-            </a:r>
-            <a:endParaRPr kumimoji="1" lang="ja-JP" altLang="en-US" sz="2400" dirty="0"/>
-          </a:p>
-        </p:txBody>
-      </p:sp>
-      <p:sp>
-        <p:nvSpPr>
-          <p:cNvPr id="4" name="テキスト ボックス 3">
-            <a:extLst>
-              <a:ext uri="{FF2B5EF4-FFF2-40B4-BE49-F238E27FC236}">
-                <a16:creationId xmlns:a16="http://schemas.microsoft.com/office/drawing/2014/main" id="{FC2471D5-BCE5-475E-80D0-D586469A6592}"/>
-              </a:ext>
-            </a:extLst>
-          </p:cNvPr>
-          <p:cNvSpPr txBox="1"/>
-          <p:nvPr/>
-        </p:nvSpPr>
-        <p:spPr>
-          <a:xfrm>
-            <a:off x="323528" y="1124744"/>
-            <a:ext cx="2954655" cy="461665"/>
-          </a:xfrm>
-          <a:prstGeom prst="rect">
-            <a:avLst/>
-          </a:prstGeom>
-          <a:noFill/>
-        </p:spPr>
-        <p:txBody>
-          <a:bodyPr wrap="none" rtlCol="0">
-            <a:spAutoFit/>
-          </a:bodyPr>
-          <a:lstStyle/>
-          <a:p>
-            <a:r>
-              <a:rPr lang="ja-JP" altLang="en-US" sz="2400" dirty="0"/>
-              <a:t>ディレクトリの作成</a:t>
             </a:r>
             <a:endParaRPr kumimoji="1" lang="ja-JP" altLang="en-US" sz="2400" dirty="0"/>
           </a:p>
@@ -28365,10 +28329,10 @@
       </p:sp>
       <p:sp>
         <p:nvSpPr>
-          <p:cNvPr id="11" name="テキスト ボックス 10">
-            <a:extLst>
-              <a:ext uri="{FF2B5EF4-FFF2-40B4-BE49-F238E27FC236}">
-                <a16:creationId xmlns:a16="http://schemas.microsoft.com/office/drawing/2014/main" id="{78B41CAA-0100-4EA9-A1D1-4CFEBFC3849C}"/>
+          <p:cNvPr id="12" name="テキスト ボックス 11">
+            <a:extLst>
+              <a:ext uri="{FF2B5EF4-FFF2-40B4-BE49-F238E27FC236}">
+                <a16:creationId xmlns:a16="http://schemas.microsoft.com/office/drawing/2014/main" id="{BF034A74-0B80-4209-A9F7-45B89BC1AB03}"/>
               </a:ext>
             </a:extLst>
           </p:cNvPr>
@@ -28377,8 +28341,8 @@
         </p:nvSpPr>
         <p:spPr>
           <a:xfrm>
-            <a:off x="611560" y="1772816"/>
-            <a:ext cx="1704313" cy="646331"/>
+            <a:off x="827584" y="3764520"/>
+            <a:ext cx="7402989" cy="1200329"/>
           </a:xfrm>
           <a:prstGeom prst="rect">
             <a:avLst/>
@@ -28397,69 +28361,12 @@
           <a:lstStyle/>
           <a:p>
             <a:r>
-              <a:rPr kumimoji="1" lang="en-US" altLang="ja-JP" dirty="0">
+              <a:rPr lang="en-US" altLang="ja-JP" dirty="0">
                 <a:latin typeface="Consolas" panose="020B0609020204030204" pitchFamily="49" charset="0"/>
               </a:rPr>
               <a:t>cd</a:t>
             </a:r>
           </a:p>
-          <a:p>
-            <a:r>
-              <a:rPr kumimoji="1" lang="en-US" altLang="ja-JP" dirty="0" err="1">
-                <a:latin typeface="Consolas" panose="020B0609020204030204" pitchFamily="49" charset="0"/>
-              </a:rPr>
-              <a:t>mkdir</a:t>
-            </a:r>
-            <a:r>
-              <a:rPr kumimoji="1" lang="en-US" altLang="ja-JP" dirty="0">
-                <a:latin typeface="Consolas" panose="020B0609020204030204" pitchFamily="49" charset="0"/>
-              </a:rPr>
-              <a:t> </a:t>
-            </a:r>
-            <a:r>
-              <a:rPr kumimoji="1" lang="en-US" altLang="ja-JP" dirty="0" err="1">
-                <a:latin typeface="Consolas" panose="020B0609020204030204" pitchFamily="49" charset="0"/>
-              </a:rPr>
-              <a:t>github</a:t>
-            </a:r>
-            <a:endParaRPr kumimoji="1" lang="en-US" altLang="ja-JP" dirty="0">
-              <a:latin typeface="Consolas" panose="020B0609020204030204" pitchFamily="49" charset="0"/>
-            </a:endParaRPr>
-          </a:p>
-        </p:txBody>
-      </p:sp>
-      <p:sp>
-        <p:nvSpPr>
-          <p:cNvPr id="12" name="テキスト ボックス 11">
-            <a:extLst>
-              <a:ext uri="{FF2B5EF4-FFF2-40B4-BE49-F238E27FC236}">
-                <a16:creationId xmlns:a16="http://schemas.microsoft.com/office/drawing/2014/main" id="{BF034A74-0B80-4209-A9F7-45B89BC1AB03}"/>
-              </a:ext>
-            </a:extLst>
-          </p:cNvPr>
-          <p:cNvSpPr txBox="1"/>
-          <p:nvPr/>
-        </p:nvSpPr>
-        <p:spPr>
-          <a:xfrm>
-            <a:off x="827584" y="4221088"/>
-            <a:ext cx="7402989" cy="923330"/>
-          </a:xfrm>
-          <a:prstGeom prst="rect">
-            <a:avLst/>
-          </a:prstGeom>
-          <a:noFill/>
-          <a:ln>
-            <a:solidFill>
-              <a:schemeClr val="tx1"/>
-            </a:solidFill>
-          </a:ln>
-        </p:spPr>
-        <p:txBody>
-          <a:bodyPr wrap="none" rtlCol="0">
-            <a:spAutoFit/>
-          </a:bodyPr>
-          <a:lstStyle/>
           <a:p>
             <a:r>
               <a:rPr lang="en-US" altLang="ja-JP" dirty="0">
@@ -28495,52 +28402,6 @@
             <a:endParaRPr kumimoji="1" lang="ja-JP" altLang="en-US" dirty="0">
               <a:latin typeface="Consolas" panose="020B0609020204030204" pitchFamily="49" charset="0"/>
             </a:endParaRPr>
-          </a:p>
-        </p:txBody>
-      </p:sp>
-      <p:sp>
-        <p:nvSpPr>
-          <p:cNvPr id="14" name="テキスト ボックス 13">
-            <a:extLst>
-              <a:ext uri="{FF2B5EF4-FFF2-40B4-BE49-F238E27FC236}">
-                <a16:creationId xmlns:a16="http://schemas.microsoft.com/office/drawing/2014/main" id="{0CAD620F-EE2B-49D1-A490-70015C4BA0CE}"/>
-              </a:ext>
-            </a:extLst>
-          </p:cNvPr>
-          <p:cNvSpPr txBox="1"/>
-          <p:nvPr/>
-        </p:nvSpPr>
-        <p:spPr>
-          <a:xfrm>
-            <a:off x="827584" y="2708920"/>
-            <a:ext cx="3877985" cy="646331"/>
-          </a:xfrm>
-          <a:prstGeom prst="rect">
-            <a:avLst/>
-          </a:prstGeom>
-          <a:noFill/>
-        </p:spPr>
-        <p:txBody>
-          <a:bodyPr wrap="none" rtlCol="0">
-            <a:spAutoFit/>
-          </a:bodyPr>
-          <a:lstStyle/>
-          <a:p>
-            <a:r>
-              <a:rPr lang="ja-JP" altLang="en-US" dirty="0"/>
-              <a:t>ホームディレクトリに移動してから</a:t>
-            </a:r>
-            <a:endParaRPr lang="en-US" altLang="ja-JP" dirty="0"/>
-          </a:p>
-          <a:p>
-            <a:r>
-              <a:rPr kumimoji="1" lang="en-US" altLang="ja-JP" dirty="0" err="1"/>
-              <a:t>github</a:t>
-            </a:r>
-            <a:r>
-              <a:rPr kumimoji="1" lang="ja-JP" altLang="en-US" dirty="0"/>
-              <a:t>ディレクトリを作成</a:t>
-            </a:r>
           </a:p>
         </p:txBody>
       </p:sp>
